--- a/二.tkit/Tkit.pptx
+++ b/二.tkit/Tkit.pptx
@@ -15837,8 +15837,24 @@
               <a:buNone/>
             </a:pPr>
             <a:r>
+              <a:rPr lang="en-US" altLang="zh-CN" sz="1800" dirty="0" err="1" smtClean="0"/>
+              <a:t>applyAction</a:t>
+            </a:r>
+            <a:r>
+              <a:rPr lang="en-US" altLang="zh-CN" sz="1800" dirty="0" smtClean="0"/>
+              <a:t>:</a:t>
+            </a:r>
+            <a:r>
+              <a:rPr lang="zh-CN" altLang="en-US" sz="1800" smtClean="0"/>
+              <a:t> </a:t>
+            </a:r>
+            <a:r>
+              <a:rPr lang="en-US" altLang="zh-CN" sz="1800" smtClean="0"/>
+              <a:t>(state</a:t>
+            </a:r>
+            <a:r>
               <a:rPr lang="en-US" altLang="zh-CN" sz="1800" dirty="0"/>
-              <a:t>(state: </a:t>
+              <a:t>: </a:t>
             </a:r>
             <a:r>
               <a:rPr kumimoji="1" lang="en-US" altLang="zh-CN" sz="1800" dirty="0" err="1"/>

--- a/二.tkit/Tkit.pptx
+++ b/二.tkit/Tkit.pptx
@@ -12088,6 +12088,23 @@
               <a:rPr kumimoji="1" lang="en-US" altLang="zh-CN" dirty="0" smtClean="0"/>
               <a:t>Redux-actions</a:t>
             </a:r>
+            <a:r>
+              <a:rPr kumimoji="1" lang="zh-CN" altLang="en-US" dirty="0" smtClean="0"/>
+              <a:t> </a:t>
+            </a:r>
+            <a:r>
+              <a:rPr kumimoji="1" lang="en-US" altLang="zh-CN" dirty="0" smtClean="0"/>
+              <a:t>+</a:t>
+            </a:r>
+            <a:r>
+              <a:rPr kumimoji="1" lang="zh-CN" altLang="en-US" dirty="0" smtClean="0"/>
+              <a:t> </a:t>
+            </a:r>
+            <a:r>
+              <a:rPr kumimoji="1" lang="en-US" altLang="zh-CN" smtClean="0"/>
+              <a:t>Reselect</a:t>
+            </a:r>
+            <a:endParaRPr kumimoji="1" lang="en-US" altLang="zh-CN" dirty="0" smtClean="0"/>
           </a:p>
           <a:p>
             <a:pPr lvl="1"/>
@@ -15845,11 +15862,11 @@
               <a:t>:</a:t>
             </a:r>
             <a:r>
-              <a:rPr lang="zh-CN" altLang="en-US" sz="1800" smtClean="0"/>
+              <a:rPr lang="zh-CN" altLang="en-US" sz="1800" dirty="0" smtClean="0"/>
               <a:t> </a:t>
             </a:r>
             <a:r>
-              <a:rPr lang="en-US" altLang="zh-CN" sz="1800" smtClean="0"/>
+              <a:rPr lang="en-US" altLang="zh-CN" sz="1800" dirty="0" smtClean="0"/>
               <a:t>(state</a:t>
             </a:r>
             <a:r>
